--- a/img/logo.pptx
+++ b/img/logo.pptx
@@ -2,12 +2,12 @@
 <file path=ppt/presentation.xml><?xml version="1.0" encoding="utf-8"?>
 <p:presentation xmlns:a="http://schemas.openxmlformats.org/drawingml/2006/main" xmlns:r="http://schemas.openxmlformats.org/officeDocument/2006/relationships" xmlns:p="http://schemas.openxmlformats.org/presentationml/2006/main" saveSubsetFonts="1" autoCompressPictures="0">
   <p:sldMasterIdLst>
-    <p:sldMasterId id="2147483768" r:id="rId1"/>
+    <p:sldMasterId id="2147483888" r:id="rId1"/>
   </p:sldMasterIdLst>
   <p:sldIdLst>
     <p:sldId id="256" r:id="rId2"/>
   </p:sldIdLst>
-  <p:sldSz cx="11231563" cy="1076325"/>
+  <p:sldSz cx="7164388" cy="1076325"/>
   <p:notesSz cx="6858000" cy="9144000"/>
   <p:defaultTextStyle>
     <a:defPPr>
@@ -141,8 +141,8 @@
         </p:nvSpPr>
         <p:spPr>
           <a:xfrm>
-            <a:off x="1403946" y="176148"/>
-            <a:ext cx="8423672" cy="374721"/>
+            <a:off x="895549" y="176148"/>
+            <a:ext cx="5373291" cy="374721"/>
           </a:xfrm>
         </p:spPr>
         <p:txBody>
@@ -173,8 +173,8 @@
         </p:nvSpPr>
         <p:spPr>
           <a:xfrm>
-            <a:off x="1403946" y="565320"/>
-            <a:ext cx="8423672" cy="259863"/>
+            <a:off x="895549" y="565320"/>
+            <a:ext cx="5373291" cy="259863"/>
           </a:xfrm>
         </p:spPr>
         <p:txBody>
@@ -294,7 +294,7 @@
     </p:spTree>
     <p:extLst>
       <p:ext uri="{BB962C8B-B14F-4D97-AF65-F5344CB8AC3E}">
-        <p14:creationId xmlns:p14="http://schemas.microsoft.com/office/powerpoint/2010/main" val="1455959089"/>
+        <p14:creationId xmlns:p14="http://schemas.microsoft.com/office/powerpoint/2010/main" val="1376870995"/>
       </p:ext>
     </p:extLst>
   </p:cSld>
@@ -464,7 +464,7 @@
     </p:spTree>
     <p:extLst>
       <p:ext uri="{BB962C8B-B14F-4D97-AF65-F5344CB8AC3E}">
-        <p14:creationId xmlns:p14="http://schemas.microsoft.com/office/powerpoint/2010/main" val="2834142568"/>
+        <p14:creationId xmlns:p14="http://schemas.microsoft.com/office/powerpoint/2010/main" val="2932535487"/>
       </p:ext>
     </p:extLst>
   </p:cSld>
@@ -503,8 +503,8 @@
         </p:nvSpPr>
         <p:spPr>
           <a:xfrm>
-            <a:off x="8037587" y="57304"/>
-            <a:ext cx="2421806" cy="912136"/>
+            <a:off x="5127015" y="57304"/>
+            <a:ext cx="1544821" cy="912136"/>
           </a:xfrm>
         </p:spPr>
         <p:txBody>
@@ -531,8 +531,8 @@
         </p:nvSpPr>
         <p:spPr>
           <a:xfrm>
-            <a:off x="772170" y="57304"/>
-            <a:ext cx="7125023" cy="912136"/>
+            <a:off x="492551" y="57304"/>
+            <a:ext cx="4544909" cy="912136"/>
           </a:xfrm>
         </p:spPr>
         <p:txBody>
@@ -644,7 +644,7 @@
     </p:spTree>
     <p:extLst>
       <p:ext uri="{BB962C8B-B14F-4D97-AF65-F5344CB8AC3E}">
-        <p14:creationId xmlns:p14="http://schemas.microsoft.com/office/powerpoint/2010/main" val="3511690153"/>
+        <p14:creationId xmlns:p14="http://schemas.microsoft.com/office/powerpoint/2010/main" val="3174408718"/>
       </p:ext>
     </p:extLst>
   </p:cSld>
@@ -814,7 +814,7 @@
     </p:spTree>
     <p:extLst>
       <p:ext uri="{BB962C8B-B14F-4D97-AF65-F5344CB8AC3E}">
-        <p14:creationId xmlns:p14="http://schemas.microsoft.com/office/powerpoint/2010/main" val="212818317"/>
+        <p14:creationId xmlns:p14="http://schemas.microsoft.com/office/powerpoint/2010/main" val="1871441851"/>
       </p:ext>
     </p:extLst>
   </p:cSld>
@@ -853,8 +853,8 @@
         </p:nvSpPr>
         <p:spPr>
           <a:xfrm>
-            <a:off x="766320" y="268334"/>
-            <a:ext cx="9687223" cy="447721"/>
+            <a:off x="488820" y="268334"/>
+            <a:ext cx="6179285" cy="447721"/>
           </a:xfrm>
         </p:spPr>
         <p:txBody>
@@ -885,8 +885,8 @@
         </p:nvSpPr>
         <p:spPr>
           <a:xfrm>
-            <a:off x="766320" y="720291"/>
-            <a:ext cx="9687223" cy="235446"/>
+            <a:off x="488820" y="720291"/>
+            <a:ext cx="6179285" cy="235446"/>
           </a:xfrm>
         </p:spPr>
         <p:txBody>
@@ -1060,7 +1060,7 @@
     </p:spTree>
     <p:extLst>
       <p:ext uri="{BB962C8B-B14F-4D97-AF65-F5344CB8AC3E}">
-        <p14:creationId xmlns:p14="http://schemas.microsoft.com/office/powerpoint/2010/main" val="3306227659"/>
+        <p14:creationId xmlns:p14="http://schemas.microsoft.com/office/powerpoint/2010/main" val="453408439"/>
       </p:ext>
     </p:extLst>
   </p:cSld>
@@ -1122,8 +1122,8 @@
         </p:nvSpPr>
         <p:spPr>
           <a:xfrm>
-            <a:off x="772170" y="286522"/>
-            <a:ext cx="4773414" cy="682918"/>
+            <a:off x="492552" y="286522"/>
+            <a:ext cx="3044865" cy="682918"/>
           </a:xfrm>
         </p:spPr>
         <p:txBody>
@@ -1179,8 +1179,8 @@
         </p:nvSpPr>
         <p:spPr>
           <a:xfrm>
-            <a:off x="5685979" y="286522"/>
-            <a:ext cx="4773414" cy="682918"/>
+            <a:off x="3626971" y="286522"/>
+            <a:ext cx="3044865" cy="682918"/>
           </a:xfrm>
         </p:spPr>
         <p:txBody>
@@ -1292,7 +1292,7 @@
     </p:spTree>
     <p:extLst>
       <p:ext uri="{BB962C8B-B14F-4D97-AF65-F5344CB8AC3E}">
-        <p14:creationId xmlns:p14="http://schemas.microsoft.com/office/powerpoint/2010/main" val="3158861708"/>
+        <p14:creationId xmlns:p14="http://schemas.microsoft.com/office/powerpoint/2010/main" val="3553824483"/>
       </p:ext>
     </p:extLst>
   </p:cSld>
@@ -1331,8 +1331,8 @@
         </p:nvSpPr>
         <p:spPr>
           <a:xfrm>
-            <a:off x="773633" y="57304"/>
-            <a:ext cx="9687223" cy="208040"/>
+            <a:off x="493485" y="57304"/>
+            <a:ext cx="6179285" cy="208040"/>
           </a:xfrm>
         </p:spPr>
         <p:txBody>
@@ -1359,8 +1359,8 @@
         </p:nvSpPr>
         <p:spPr>
           <a:xfrm>
-            <a:off x="773633" y="263849"/>
-            <a:ext cx="4751477" cy="129308"/>
+            <a:off x="493485" y="263849"/>
+            <a:ext cx="3030872" cy="129308"/>
           </a:xfrm>
         </p:spPr>
         <p:txBody>
@@ -1424,8 +1424,8 @@
         </p:nvSpPr>
         <p:spPr>
           <a:xfrm>
-            <a:off x="773633" y="393157"/>
-            <a:ext cx="4751477" cy="578276"/>
+            <a:off x="493485" y="393157"/>
+            <a:ext cx="3030872" cy="578276"/>
           </a:xfrm>
         </p:spPr>
         <p:txBody>
@@ -1481,8 +1481,8 @@
         </p:nvSpPr>
         <p:spPr>
           <a:xfrm>
-            <a:off x="5685979" y="263849"/>
-            <a:ext cx="4774877" cy="129308"/>
+            <a:off x="3626971" y="263849"/>
+            <a:ext cx="3045798" cy="129308"/>
           </a:xfrm>
         </p:spPr>
         <p:txBody>
@@ -1546,8 +1546,8 @@
         </p:nvSpPr>
         <p:spPr>
           <a:xfrm>
-            <a:off x="5685979" y="393157"/>
-            <a:ext cx="4774877" cy="578276"/>
+            <a:off x="3626971" y="393157"/>
+            <a:ext cx="3045798" cy="578276"/>
           </a:xfrm>
         </p:spPr>
         <p:txBody>
@@ -1659,7 +1659,7 @@
     </p:spTree>
     <p:extLst>
       <p:ext uri="{BB962C8B-B14F-4D97-AF65-F5344CB8AC3E}">
-        <p14:creationId xmlns:p14="http://schemas.microsoft.com/office/powerpoint/2010/main" val="1020403492"/>
+        <p14:creationId xmlns:p14="http://schemas.microsoft.com/office/powerpoint/2010/main" val="1931890821"/>
       </p:ext>
     </p:extLst>
   </p:cSld>
@@ -1777,7 +1777,7 @@
     </p:spTree>
     <p:extLst>
       <p:ext uri="{BB962C8B-B14F-4D97-AF65-F5344CB8AC3E}">
-        <p14:creationId xmlns:p14="http://schemas.microsoft.com/office/powerpoint/2010/main" val="307495732"/>
+        <p14:creationId xmlns:p14="http://schemas.microsoft.com/office/powerpoint/2010/main" val="1913541246"/>
       </p:ext>
     </p:extLst>
   </p:cSld>
@@ -1872,7 +1872,7 @@
     </p:spTree>
     <p:extLst>
       <p:ext uri="{BB962C8B-B14F-4D97-AF65-F5344CB8AC3E}">
-        <p14:creationId xmlns:p14="http://schemas.microsoft.com/office/powerpoint/2010/main" val="3943880278"/>
+        <p14:creationId xmlns:p14="http://schemas.microsoft.com/office/powerpoint/2010/main" val="3636128565"/>
       </p:ext>
     </p:extLst>
   </p:cSld>
@@ -1911,8 +1911,8 @@
         </p:nvSpPr>
         <p:spPr>
           <a:xfrm>
-            <a:off x="773633" y="71755"/>
-            <a:ext cx="3622471" cy="251143"/>
+            <a:off x="493485" y="71755"/>
+            <a:ext cx="2310701" cy="251143"/>
           </a:xfrm>
         </p:spPr>
         <p:txBody>
@@ -1943,8 +1943,8 @@
         </p:nvSpPr>
         <p:spPr>
           <a:xfrm>
-            <a:off x="4774877" y="154971"/>
-            <a:ext cx="5685979" cy="764888"/>
+            <a:off x="3045798" y="154971"/>
+            <a:ext cx="3626971" cy="764888"/>
           </a:xfrm>
         </p:spPr>
         <p:txBody>
@@ -2028,8 +2028,8 @@
         </p:nvSpPr>
         <p:spPr>
           <a:xfrm>
-            <a:off x="773633" y="322897"/>
-            <a:ext cx="3622471" cy="598208"/>
+            <a:off x="493485" y="322897"/>
+            <a:ext cx="2310701" cy="598208"/>
           </a:xfrm>
         </p:spPr>
         <p:txBody>
@@ -2149,7 +2149,7 @@
     </p:spTree>
     <p:extLst>
       <p:ext uri="{BB962C8B-B14F-4D97-AF65-F5344CB8AC3E}">
-        <p14:creationId xmlns:p14="http://schemas.microsoft.com/office/powerpoint/2010/main" val="1879606982"/>
+        <p14:creationId xmlns:p14="http://schemas.microsoft.com/office/powerpoint/2010/main" val="383661135"/>
       </p:ext>
     </p:extLst>
   </p:cSld>
@@ -2188,8 +2188,8 @@
         </p:nvSpPr>
         <p:spPr>
           <a:xfrm>
-            <a:off x="773633" y="71755"/>
-            <a:ext cx="3622471" cy="251143"/>
+            <a:off x="493485" y="71755"/>
+            <a:ext cx="2310701" cy="251143"/>
           </a:xfrm>
         </p:spPr>
         <p:txBody>
@@ -2220,8 +2220,8 @@
         </p:nvSpPr>
         <p:spPr>
           <a:xfrm>
-            <a:off x="4774877" y="154971"/>
-            <a:ext cx="5685979" cy="764888"/>
+            <a:off x="3045798" y="154971"/>
+            <a:ext cx="3626971" cy="764888"/>
           </a:xfrm>
         </p:spPr>
         <p:txBody>
@@ -2285,8 +2285,8 @@
         </p:nvSpPr>
         <p:spPr>
           <a:xfrm>
-            <a:off x="773633" y="322897"/>
-            <a:ext cx="3622471" cy="598208"/>
+            <a:off x="493485" y="322897"/>
+            <a:ext cx="2310701" cy="598208"/>
           </a:xfrm>
         </p:spPr>
         <p:txBody>
@@ -2406,7 +2406,7 @@
     </p:spTree>
     <p:extLst>
       <p:ext uri="{BB962C8B-B14F-4D97-AF65-F5344CB8AC3E}">
-        <p14:creationId xmlns:p14="http://schemas.microsoft.com/office/powerpoint/2010/main" val="4051890794"/>
+        <p14:creationId xmlns:p14="http://schemas.microsoft.com/office/powerpoint/2010/main" val="2203058194"/>
       </p:ext>
     </p:extLst>
   </p:cSld>
@@ -2450,8 +2450,8 @@
         </p:nvSpPr>
         <p:spPr>
           <a:xfrm>
-            <a:off x="772170" y="57304"/>
-            <a:ext cx="9687223" cy="208040"/>
+            <a:off x="492552" y="57304"/>
+            <a:ext cx="6179285" cy="208040"/>
           </a:xfrm>
           <a:prstGeom prst="rect">
             <a:avLst/>
@@ -2483,8 +2483,8 @@
         </p:nvSpPr>
         <p:spPr>
           <a:xfrm>
-            <a:off x="772170" y="286522"/>
-            <a:ext cx="9687223" cy="682918"/>
+            <a:off x="492552" y="286522"/>
+            <a:ext cx="6179285" cy="682918"/>
           </a:xfrm>
           <a:prstGeom prst="rect">
             <a:avLst/>
@@ -2545,8 +2545,8 @@
         </p:nvSpPr>
         <p:spPr>
           <a:xfrm>
-            <a:off x="772170" y="997594"/>
-            <a:ext cx="2527102" cy="57304"/>
+            <a:off x="492552" y="997594"/>
+            <a:ext cx="1611987" cy="57304"/>
           </a:xfrm>
           <a:prstGeom prst="rect">
             <a:avLst/>
@@ -2586,8 +2586,8 @@
         </p:nvSpPr>
         <p:spPr>
           <a:xfrm>
-            <a:off x="3720455" y="997594"/>
-            <a:ext cx="3790653" cy="57304"/>
+            <a:off x="2373204" y="997594"/>
+            <a:ext cx="2417981" cy="57304"/>
           </a:xfrm>
           <a:prstGeom prst="rect">
             <a:avLst/>
@@ -2623,8 +2623,8 @@
         </p:nvSpPr>
         <p:spPr>
           <a:xfrm>
-            <a:off x="7932291" y="997594"/>
-            <a:ext cx="2527102" cy="57304"/>
+            <a:off x="5059849" y="997594"/>
+            <a:ext cx="1611987" cy="57304"/>
           </a:xfrm>
           <a:prstGeom prst="rect">
             <a:avLst/>
@@ -2655,23 +2655,23 @@
     </p:spTree>
     <p:extLst>
       <p:ext uri="{BB962C8B-B14F-4D97-AF65-F5344CB8AC3E}">
-        <p14:creationId xmlns:p14="http://schemas.microsoft.com/office/powerpoint/2010/main" val="3617042456"/>
+        <p14:creationId xmlns:p14="http://schemas.microsoft.com/office/powerpoint/2010/main" val="713058399"/>
       </p:ext>
     </p:extLst>
   </p:cSld>
   <p:clrMap bg1="lt1" tx1="dk1" bg2="lt2" tx2="dk2" accent1="accent1" accent2="accent2" accent3="accent3" accent4="accent4" accent5="accent5" accent6="accent6" hlink="hlink" folHlink="folHlink"/>
   <p:sldLayoutIdLst>
-    <p:sldLayoutId id="2147483769" r:id="rId1"/>
-    <p:sldLayoutId id="2147483770" r:id="rId2"/>
-    <p:sldLayoutId id="2147483771" r:id="rId3"/>
-    <p:sldLayoutId id="2147483772" r:id="rId4"/>
-    <p:sldLayoutId id="2147483773" r:id="rId5"/>
-    <p:sldLayoutId id="2147483774" r:id="rId6"/>
-    <p:sldLayoutId id="2147483775" r:id="rId7"/>
-    <p:sldLayoutId id="2147483776" r:id="rId8"/>
-    <p:sldLayoutId id="2147483777" r:id="rId9"/>
-    <p:sldLayoutId id="2147483778" r:id="rId10"/>
-    <p:sldLayoutId id="2147483779" r:id="rId11"/>
+    <p:sldLayoutId id="2147483889" r:id="rId1"/>
+    <p:sldLayoutId id="2147483890" r:id="rId2"/>
+    <p:sldLayoutId id="2147483891" r:id="rId3"/>
+    <p:sldLayoutId id="2147483892" r:id="rId4"/>
+    <p:sldLayoutId id="2147483893" r:id="rId5"/>
+    <p:sldLayoutId id="2147483894" r:id="rId6"/>
+    <p:sldLayoutId id="2147483895" r:id="rId7"/>
+    <p:sldLayoutId id="2147483896" r:id="rId8"/>
+    <p:sldLayoutId id="2147483897" r:id="rId9"/>
+    <p:sldLayoutId id="2147483898" r:id="rId10"/>
+    <p:sldLayoutId id="2147483899" r:id="rId11"/>
   </p:sldLayoutIdLst>
   <p:txStyles>
     <p:titleStyle>
@@ -2975,6 +2975,35 @@
       </p:grpSpPr>
       <p:pic>
         <p:nvPicPr>
+          <p:cNvPr id="8" name="图片 7">
+            <a:extLst>
+              <a:ext uri="{FF2B5EF4-FFF2-40B4-BE49-F238E27FC236}">
+                <a16:creationId xmlns:a16="http://schemas.microsoft.com/office/drawing/2014/main" id="{583E7CB2-EA9F-C50C-3721-92DE06AAB3F9}"/>
+              </a:ext>
+            </a:extLst>
+          </p:cNvPr>
+          <p:cNvPicPr>
+            <a:picLocks noChangeAspect="1"/>
+          </p:cNvPicPr>
+          <p:nvPr/>
+        </p:nvPicPr>
+        <p:blipFill rotWithShape="1">
+          <a:blip r:embed="rId2"/>
+          <a:srcRect r="85624" b="11024"/>
+          <a:stretch/>
+        </p:blipFill>
+        <p:spPr>
+          <a:xfrm>
+            <a:off x="6102533" y="-58434"/>
+            <a:ext cx="1031842" cy="1398732"/>
+          </a:xfrm>
+          <a:prstGeom prst="rect">
+            <a:avLst/>
+          </a:prstGeom>
+        </p:spPr>
+      </p:pic>
+      <p:pic>
+        <p:nvPicPr>
           <p:cNvPr id="5" name="图片 4">
             <a:extLst>
               <a:ext uri="{FF2B5EF4-FFF2-40B4-BE49-F238E27FC236}">
@@ -2988,7 +3017,7 @@
           <p:nvPr/>
         </p:nvPicPr>
         <p:blipFill>
-          <a:blip r:embed="rId2">
+          <a:blip r:embed="rId3">
             <a:extLst>
               <a:ext uri="{28A0092B-C50C-407E-A947-70E740481C1C}">
                 <a14:useLocalDpi xmlns:a14="http://schemas.microsoft.com/office/drawing/2010/main" val="0"/>
@@ -3001,7 +3030,7 @@
         </p:blipFill>
         <p:spPr>
           <a:xfrm>
-            <a:off x="8370461" y="-339"/>
+            <a:off x="3394024" y="-1490"/>
             <a:ext cx="1100006" cy="1075259"/>
           </a:xfrm>
           <a:prstGeom prst="rect">
@@ -3024,36 +3053,6 @@
           <p:nvPr/>
         </p:nvPicPr>
         <p:blipFill>
-          <a:blip r:embed="rId3"/>
-          <a:stretch>
-            <a:fillRect/>
-          </a:stretch>
-        </p:blipFill>
-        <p:spPr>
-          <a:xfrm>
-            <a:off x="5239" y="-345"/>
-            <a:ext cx="3386642" cy="1075259"/>
-          </a:xfrm>
-          <a:prstGeom prst="rect">
-            <a:avLst/>
-          </a:prstGeom>
-        </p:spPr>
-      </p:pic>
-      <p:pic>
-        <p:nvPicPr>
-          <p:cNvPr id="8" name="图片 7">
-            <a:extLst>
-              <a:ext uri="{FF2B5EF4-FFF2-40B4-BE49-F238E27FC236}">
-                <a16:creationId xmlns:a16="http://schemas.microsoft.com/office/drawing/2014/main" id="{583E7CB2-EA9F-C50C-3721-92DE06AAB3F9}"/>
-              </a:ext>
-            </a:extLst>
-          </p:cNvPr>
-          <p:cNvPicPr>
-            <a:picLocks noChangeAspect="1"/>
-          </p:cNvPicPr>
-          <p:nvPr/>
-        </p:nvPicPr>
-        <p:blipFill>
           <a:blip r:embed="rId4"/>
           <a:stretch>
             <a:fillRect/>
@@ -3061,8 +3060,8 @@
         </p:blipFill>
         <p:spPr>
           <a:xfrm>
-            <a:off x="3461111" y="-339"/>
-            <a:ext cx="4909350" cy="1075259"/>
+            <a:off x="7382" y="-3464"/>
+            <a:ext cx="3386642" cy="1075259"/>
           </a:xfrm>
           <a:prstGeom prst="rect">
             <a:avLst/>
@@ -3083,8 +3082,8 @@
         </p:nvSpPr>
         <p:spPr>
           <a:xfrm>
-            <a:off x="9403966" y="-2311"/>
-            <a:ext cx="1883954" cy="1099404"/>
+            <a:off x="4427529" y="-3656"/>
+            <a:ext cx="1883954" cy="1099788"/>
           </a:xfrm>
           <a:prstGeom prst="rect">
             <a:avLst/>
@@ -3092,33 +3091,33 @@
           <a:noFill/>
         </p:spPr>
         <p:txBody>
-          <a:bodyPr wrap="square" rtlCol="0">
+          <a:bodyPr wrap="square" rtlCol="0" anchor="ctr">
             <a:spAutoFit/>
           </a:bodyPr>
           <a:lstStyle/>
           <a:p>
             <a:r>
-              <a:rPr lang="en-US" altLang="zh-CN" sz="2400" b="1" dirty="0">
+              <a:rPr lang="en-US" altLang="zh-CN" sz="2399" b="1" dirty="0">
                 <a:latin typeface="微软雅黑" panose="020B0503020204020204" pitchFamily="34" charset="-122"/>
                 <a:ea typeface="微软雅黑" panose="020B0503020204020204" pitchFamily="34" charset="-122"/>
               </a:rPr>
               <a:t> </a:t>
             </a:r>
             <a:r>
-              <a:rPr lang="en-US" altLang="zh-CN" sz="3000" b="1" dirty="0">
+              <a:rPr lang="en-US" altLang="zh-CN" sz="3001" b="1" dirty="0">
                 <a:latin typeface="微软雅黑" panose="020B0503020204020204" pitchFamily="34" charset="-122"/>
                 <a:ea typeface="微软雅黑" panose="020B0503020204020204" pitchFamily="34" charset="-122"/>
               </a:rPr>
               <a:t>SLICES</a:t>
             </a:r>
             <a:r>
-              <a:rPr lang="zh-CN" altLang="en-US" sz="2400" b="1" dirty="0">
+              <a:rPr lang="zh-CN" altLang="en-US" sz="2399" b="1" dirty="0">
                 <a:latin typeface="微软雅黑" panose="020B0503020204020204" pitchFamily="34" charset="-122"/>
                 <a:ea typeface="微软雅黑" panose="020B0503020204020204" pitchFamily="34" charset="-122"/>
               </a:rPr>
               <a:t> </a:t>
             </a:r>
-            <a:endParaRPr lang="en-US" altLang="zh-CN" sz="2400" b="1" dirty="0">
+            <a:endParaRPr lang="en-US" altLang="zh-CN" sz="2399" b="1" dirty="0">
               <a:latin typeface="微软雅黑" panose="020B0503020204020204" pitchFamily="34" charset="-122"/>
               <a:ea typeface="微软雅黑" panose="020B0503020204020204" pitchFamily="34" charset="-122"/>
             </a:endParaRPr>
@@ -3130,12 +3129,12 @@
               </a:lnSpc>
             </a:pPr>
             <a:r>
-              <a:rPr lang="zh-CN" altLang="en-US" sz="1600" dirty="0">
+              <a:rPr lang="zh-CN" altLang="en-US" sz="1601" dirty="0">
                 <a:ea typeface="微软雅黑" panose="020B0503020204020204" pitchFamily="34" charset="-122"/>
               </a:rPr>
               <a:t>  晶体语言</a:t>
             </a:r>
-            <a:endParaRPr lang="en-US" altLang="zh-CN" sz="1600" b="1" dirty="0">
+            <a:endParaRPr lang="en-US" altLang="zh-CN" sz="1601" b="1" dirty="0">
               <a:latin typeface="微软雅黑" panose="020B0503020204020204" pitchFamily="34" charset="-122"/>
               <a:ea typeface="微软雅黑" panose="020B0503020204020204" pitchFamily="34" charset="-122"/>
             </a:endParaRPr>
@@ -3147,7 +3146,7 @@
               </a:lnSpc>
             </a:pPr>
             <a:r>
-              <a:rPr lang="en-US" altLang="zh-CN" sz="1600" dirty="0">
+              <a:rPr lang="en-US" altLang="zh-CN" sz="1601" dirty="0">
                 <a:ea typeface="微软雅黑" panose="020B0503020204020204" pitchFamily="34" charset="-122"/>
               </a:rPr>
               <a:t>“SMILES” for Crystal</a:t>
